--- a/24.sort.search/sorting_searching_slides_java_aplus.pptx
+++ b/24.sort.search/sorting_searching_slides_java_aplus.pptx
@@ -2996,6 +2996,67 @@
       </p:grpSpPr>
       <p:sp>
         <p:nvSpPr>
+          <p:cNvPr id="2" name="Slide Image Placeholder 1"/>
+          <p:cNvSpPr>
+            <a:spLocks noGrp="1" noRot="1" noChangeAspect="1"/>
+          </p:cNvSpPr>
+          <p:nvPr>
+            <p:ph type="sldImg"/>
+          </p:nvPr>
+        </p:nvSpPr>
+        <p:spPr/>
+      </p:sp>
+      <p:sp>
+        <p:nvSpPr>
+          <p:cNvPr id="3" name="Notes Placeholder 2"/>
+          <p:cNvSpPr>
+            <a:spLocks noGrp="1"/>
+          </p:cNvSpPr>
+          <p:nvPr>
+            <p:ph type="body" idx="1"/>
+          </p:nvPr>
+        </p:nvSpPr>
+        <p:spPr/>
+        <p:txBody>
+          <a:bodyPr/>
+          <a:lstStyle/>
+          <a:p>
+            <a:endParaRPr lang="en-US" dirty="0"/>
+          </a:p>
+        </p:txBody>
+      </p:sp>
+    </p:spTree>
+    <p:extLst>
+      <p:ext uri="{BB962C8B-B14F-4D97-AF65-F5344CB8AC3E}">
+        <p14:creationId xmlns:p14="http://schemas.microsoft.com/office/powerpoint/2010/main" val="3770056281"/>
+      </p:ext>
+    </p:extLst>
+  </p:cSld>
+  <p:clrMapOvr>
+    <a:masterClrMapping/>
+  </p:clrMapOvr>
+</p:notes>
+</file>
+
+<file path=ppt/notesSlides/notesSlide37.xml><?xml version="1.0" encoding="utf-8"?>
+<p:notes xmlns:a="http://schemas.openxmlformats.org/drawingml/2006/main" xmlns:r="http://schemas.openxmlformats.org/officeDocument/2006/relationships" xmlns:p="http://schemas.openxmlformats.org/presentationml/2006/main">
+  <p:cSld>
+    <p:spTree>
+      <p:nvGrpSpPr>
+        <p:cNvPr id="1" name=""/>
+        <p:cNvGrpSpPr/>
+        <p:nvPr/>
+      </p:nvGrpSpPr>
+      <p:grpSpPr>
+        <a:xfrm>
+          <a:off x="0" y="0"/>
+          <a:ext cx="0" cy="0"/>
+          <a:chOff x="0" y="0"/>
+          <a:chExt cx="0" cy="0"/>
+        </a:xfrm>
+      </p:grpSpPr>
+      <p:sp>
+        <p:nvSpPr>
           <p:cNvPr id="69634" name="Rectangle 2"/>
           <p:cNvSpPr>
             <a:spLocks noGrp="1" noRot="1" noChangeAspect="1" noChangeArrowheads="1" noTextEdit="1"/>
@@ -3052,7 +3113,7 @@
 </p:notes>
 </file>
 
-<file path=ppt/notesSlides/notesSlide37.xml><?xml version="1.0" encoding="utf-8"?>
+<file path=ppt/notesSlides/notesSlide38.xml><?xml version="1.0" encoding="utf-8"?>
 <p:notes xmlns:a="http://schemas.openxmlformats.org/drawingml/2006/main" xmlns:r="http://schemas.openxmlformats.org/officeDocument/2006/relationships" xmlns:p="http://schemas.openxmlformats.org/presentationml/2006/main">
   <p:cSld>
     <p:spTree>
@@ -25122,41 +25183,6 @@
       </p:grpSpPr>
       <p:sp>
         <p:nvSpPr>
-          <p:cNvPr id="66562" name="Footer Placeholder 3"/>
-          <p:cNvSpPr>
-            <a:spLocks noGrp="1"/>
-          </p:cNvSpPr>
-          <p:nvPr>
-            <p:ph type="ftr" sz="quarter" idx="12"/>
-          </p:nvPr>
-        </p:nvSpPr>
-        <p:spPr>
-          <a:noFill/>
-        </p:spPr>
-        <p:txBody>
-          <a:bodyPr/>
-          <a:lstStyle/>
-          <a:p>
-            <a:endParaRPr lang="en-US">
-              <a:latin typeface="Times New Roman" pitchFamily="18" charset="0"/>
-            </a:endParaRPr>
-          </a:p>
-          <a:p>
-            <a:endParaRPr lang="en-US" b="0"/>
-          </a:p>
-          <a:p>
-            <a:endParaRPr lang="en-US"/>
-          </a:p>
-          <a:p>
-            <a:r>
-              <a:rPr lang="en-US"/>
-              <a:t>© A+ Computer Science  -  www.apluscompsci.com</a:t>
-            </a:r>
-          </a:p>
-        </p:txBody>
-      </p:sp>
-      <p:sp>
-        <p:nvSpPr>
           <p:cNvPr id="66563" name="Text Box 2"/>
           <p:cNvSpPr txBox="1">
             <a:spLocks noChangeArrowheads="1"/>
@@ -25166,7 +25192,7 @@
         <p:spPr bwMode="auto">
           <a:xfrm>
             <a:off x="228600" y="1524000"/>
-            <a:ext cx="8582025" cy="3013075"/>
+            <a:ext cx="8664551" cy="3046988"/>
           </a:xfrm>
           <a:prstGeom prst="rect">
             <a:avLst/>
@@ -25187,59 +25213,59 @@
           <a:p>
             <a:pPr algn="l"/>
             <a:r>
-              <a:rPr lang="pt-BR" sz="2400"/>
+              <a:rPr lang="pt-BR" sz="2400" dirty="0"/>
               <a:t>void mergeSort(Comparable[] stuff, int front, int back)</a:t>
             </a:r>
           </a:p>
           <a:p>
             <a:pPr algn="l"/>
             <a:r>
-              <a:rPr lang="pt-BR" sz="2400"/>
+              <a:rPr lang="pt-BR" sz="2400" dirty="0"/>
               <a:t>{</a:t>
             </a:r>
           </a:p>
           <a:p>
             <a:pPr algn="l"/>
             <a:r>
-              <a:rPr lang="pt-BR" sz="2400"/>
+              <a:rPr lang="pt-BR" sz="2400" dirty="0"/>
               <a:t>   int mid = (front+back)/2;</a:t>
             </a:r>
           </a:p>
           <a:p>
             <a:pPr algn="l"/>
             <a:r>
-              <a:rPr lang="pt-BR" sz="2400"/>
+              <a:rPr lang="pt-BR" sz="2400" dirty="0"/>
               <a:t>   if(mid==front) return;</a:t>
             </a:r>
           </a:p>
           <a:p>
             <a:pPr algn="l"/>
             <a:r>
-              <a:rPr lang="pt-BR" sz="2400"/>
+              <a:rPr lang="pt-BR" sz="2400" dirty="0"/>
               <a:t>   mergeSort(stuff, front, mid);</a:t>
             </a:r>
           </a:p>
           <a:p>
             <a:pPr algn="l"/>
             <a:r>
-              <a:rPr lang="pt-BR" sz="2400"/>
-              <a:t>   mergeSort(stuff, mid, back);</a:t>
+              <a:rPr lang="pt-BR" sz="2400" dirty="0"/>
+              <a:t>   mergeSort(stuff, mid+1, back);</a:t>
             </a:r>
           </a:p>
           <a:p>
             <a:pPr algn="l"/>
             <a:r>
-              <a:rPr lang="pt-BR" sz="2400"/>
+              <a:rPr lang="pt-BR" sz="2400" dirty="0"/>
               <a:t>   merge(stuff, front, back);</a:t>
             </a:r>
           </a:p>
           <a:p>
             <a:pPr algn="l"/>
             <a:r>
-              <a:rPr lang="pt-BR" sz="2400"/>
+              <a:rPr lang="pt-BR" sz="2400" dirty="0"/>
               <a:t>}</a:t>
             </a:r>
-            <a:endParaRPr lang="en-US">
+            <a:endParaRPr lang="en-US" dirty="0">
               <a:solidFill>
                 <a:srgbClr val="FF3300"/>
               </a:solidFill>
@@ -25322,7 +25348,7 @@
               </a:spcBef>
             </a:pPr>
             <a:r>
-              <a:rPr lang="en-US">
+              <a:rPr lang="en-US" dirty="0">
                 <a:solidFill>
                   <a:srgbClr val="FF3300"/>
                 </a:solidFill>
@@ -25337,7 +25363,7 @@
               </a:spcBef>
             </a:pPr>
             <a:r>
-              <a:rPr lang="en-US">
+              <a:rPr lang="en-US" dirty="0">
                 <a:solidFill>
                   <a:srgbClr val="FF3300"/>
                 </a:solidFill>
@@ -26157,7 +26183,7 @@
           <a:lstStyle/>
           <a:p>
             <a:r>
-              <a:rPr lang="en-US" sz="3600" kern="10">
+              <a:rPr lang="en-US" sz="3600" kern="10" dirty="0">
                 <a:ln w="9525">
                   <a:noFill/>
                   <a:round/>
@@ -26211,61 +26237,69 @@
           <a:p>
             <a:pPr algn="l"/>
             <a:r>
-              <a:rPr lang="en-US"/>
+              <a:rPr lang="en-US" dirty="0"/>
               <a:t>The mergeSort has a N*Log</a:t>
             </a:r>
             <a:r>
-              <a:rPr lang="en-US" baseline="-25000"/>
+              <a:rPr lang="en-US" baseline="-25000" dirty="0"/>
               <a:t>2</a:t>
             </a:r>
             <a:r>
-              <a:rPr lang="en-US"/>
-              <a:t>N BigO.  </a:t>
+              <a:rPr lang="en-US" dirty="0"/>
+              <a:t>N </a:t>
+            </a:r>
+            <a:r>
+              <a:rPr lang="en-US" dirty="0" err="1"/>
+              <a:t>BigO</a:t>
+            </a:r>
+            <a:r>
+              <a:rPr lang="en-US" dirty="0"/>
+              <a:t>.  </a:t>
             </a:r>
           </a:p>
           <a:p>
             <a:pPr algn="l"/>
-            <a:endParaRPr lang="en-US"/>
+            <a:endParaRPr lang="en-US" dirty="0"/>
           </a:p>
           <a:p>
             <a:pPr algn="l"/>
-            <a:endParaRPr lang="en-US"/>
+            <a:endParaRPr lang="en-US" dirty="0"/>
           </a:p>
           <a:p>
             <a:pPr algn="l"/>
-            <a:endParaRPr lang="en-US"/>
+            <a:endParaRPr lang="en-US" dirty="0"/>
           </a:p>
           <a:p>
             <a:pPr algn="l"/>
             <a:r>
-              <a:rPr lang="en-US"/>
+              <a:rPr lang="en-US" dirty="0"/>
               <a:t>The mergeSort method alone has a Log</a:t>
             </a:r>
             <a:r>
-              <a:rPr lang="en-US" baseline="-25000"/>
+              <a:rPr lang="en-US" baseline="-25000" dirty="0"/>
               <a:t>2</a:t>
             </a:r>
             <a:r>
-              <a:rPr lang="en-US"/>
+              <a:rPr lang="en-US" dirty="0"/>
               <a:t>N run time, but cannot be run without the merge method.</a:t>
             </a:r>
           </a:p>
           <a:p>
             <a:pPr algn="l"/>
-            <a:endParaRPr lang="en-US"/>
+            <a:endParaRPr lang="en-US" dirty="0"/>
           </a:p>
           <a:p>
             <a:pPr algn="l"/>
-            <a:endParaRPr lang="en-US"/>
+            <a:endParaRPr lang="en-US" dirty="0"/>
           </a:p>
           <a:p>
             <a:pPr algn="l"/>
-            <a:endParaRPr lang="en-US"/>
+            <a:endParaRPr lang="en-US" dirty="0"/>
           </a:p>
           <a:p>
             <a:pPr algn="l"/>
             <a:r>
-              <a:rPr lang="en-US"/>
+              <a:rPr lang="en-US" dirty="0"/>
               <a:t>The merge method alone has an N run time and can be run without the mergeSort method.</a:t>
             </a:r>
           </a:p>
